--- a/CSV Files.pptx
+++ b/CSV Files.pptx
@@ -254,7 +254,7 @@
           <a:p>
             <a:fld id="{27A9F19D-358D-49E7-BC7A-29E7C1421C2F}" type="datetimeFigureOut">
               <a:rPr lang="en-US" smtClean="0"/>
-              <a:t>6/5/2019</a:t>
+              <a:t>6/12/2019</a:t>
             </a:fld>
             <a:endParaRPr lang="en-US"/>
           </a:p>
@@ -424,7 +424,7 @@
           <a:p>
             <a:fld id="{27A9F19D-358D-49E7-BC7A-29E7C1421C2F}" type="datetimeFigureOut">
               <a:rPr lang="en-US" smtClean="0"/>
-              <a:t>6/5/2019</a:t>
+              <a:t>6/12/2019</a:t>
             </a:fld>
             <a:endParaRPr lang="en-US"/>
           </a:p>
@@ -604,7 +604,7 @@
           <a:p>
             <a:fld id="{27A9F19D-358D-49E7-BC7A-29E7C1421C2F}" type="datetimeFigureOut">
               <a:rPr lang="en-US" smtClean="0"/>
-              <a:t>6/5/2019</a:t>
+              <a:t>6/12/2019</a:t>
             </a:fld>
             <a:endParaRPr lang="en-US"/>
           </a:p>
@@ -774,7 +774,7 @@
           <a:p>
             <a:fld id="{27A9F19D-358D-49E7-BC7A-29E7C1421C2F}" type="datetimeFigureOut">
               <a:rPr lang="en-US" smtClean="0"/>
-              <a:t>6/5/2019</a:t>
+              <a:t>6/12/2019</a:t>
             </a:fld>
             <a:endParaRPr lang="en-US"/>
           </a:p>
@@ -1020,7 +1020,7 @@
           <a:p>
             <a:fld id="{27A9F19D-358D-49E7-BC7A-29E7C1421C2F}" type="datetimeFigureOut">
               <a:rPr lang="en-US" smtClean="0"/>
-              <a:t>6/5/2019</a:t>
+              <a:t>6/12/2019</a:t>
             </a:fld>
             <a:endParaRPr lang="en-US"/>
           </a:p>
@@ -1252,7 +1252,7 @@
           <a:p>
             <a:fld id="{27A9F19D-358D-49E7-BC7A-29E7C1421C2F}" type="datetimeFigureOut">
               <a:rPr lang="en-US" smtClean="0"/>
-              <a:t>6/5/2019</a:t>
+              <a:t>6/12/2019</a:t>
             </a:fld>
             <a:endParaRPr lang="en-US"/>
           </a:p>
@@ -1619,7 +1619,7 @@
           <a:p>
             <a:fld id="{27A9F19D-358D-49E7-BC7A-29E7C1421C2F}" type="datetimeFigureOut">
               <a:rPr lang="en-US" smtClean="0"/>
-              <a:t>6/5/2019</a:t>
+              <a:t>6/12/2019</a:t>
             </a:fld>
             <a:endParaRPr lang="en-US"/>
           </a:p>
@@ -1737,7 +1737,7 @@
           <a:p>
             <a:fld id="{27A9F19D-358D-49E7-BC7A-29E7C1421C2F}" type="datetimeFigureOut">
               <a:rPr lang="en-US" smtClean="0"/>
-              <a:t>6/5/2019</a:t>
+              <a:t>6/12/2019</a:t>
             </a:fld>
             <a:endParaRPr lang="en-US"/>
           </a:p>
@@ -1832,7 +1832,7 @@
           <a:p>
             <a:fld id="{27A9F19D-358D-49E7-BC7A-29E7C1421C2F}" type="datetimeFigureOut">
               <a:rPr lang="en-US" smtClean="0"/>
-              <a:t>6/5/2019</a:t>
+              <a:t>6/12/2019</a:t>
             </a:fld>
             <a:endParaRPr lang="en-US"/>
           </a:p>
@@ -2109,7 +2109,7 @@
           <a:p>
             <a:fld id="{27A9F19D-358D-49E7-BC7A-29E7C1421C2F}" type="datetimeFigureOut">
               <a:rPr lang="en-US" smtClean="0"/>
-              <a:t>6/5/2019</a:t>
+              <a:t>6/12/2019</a:t>
             </a:fld>
             <a:endParaRPr lang="en-US"/>
           </a:p>
@@ -2362,7 +2362,7 @@
           <a:p>
             <a:fld id="{27A9F19D-358D-49E7-BC7A-29E7C1421C2F}" type="datetimeFigureOut">
               <a:rPr lang="en-US" smtClean="0"/>
-              <a:t>6/5/2019</a:t>
+              <a:t>6/12/2019</a:t>
             </a:fld>
             <a:endParaRPr lang="en-US"/>
           </a:p>
@@ -2575,7 +2575,7 @@
           <a:p>
             <a:fld id="{27A9F19D-358D-49E7-BC7A-29E7C1421C2F}" type="datetimeFigureOut">
               <a:rPr lang="en-US" smtClean="0"/>
-              <a:t>6/5/2019</a:t>
+              <a:t>6/12/2019</a:t>
             </a:fld>
             <a:endParaRPr lang="en-US"/>
           </a:p>
@@ -3218,23 +3218,11 @@
             </a:r>
             <a:r>
               <a:rPr lang="en-US" dirty="0" smtClean="0"/>
-              <a:t>(columns={"</a:t>
-            </a:r>
-            <a:r>
-              <a:rPr lang="en-US" dirty="0" smtClean="0"/>
-              <a:t>Area": “</a:t>
-            </a:r>
-            <a:r>
-              <a:rPr lang="en-US" dirty="0" err="1" smtClean="0"/>
-              <a:t>area</a:t>
-            </a:r>
-            <a:r>
-              <a:rPr lang="en-US" dirty="0" err="1" smtClean="0"/>
-              <a:t>",“</a:t>
-            </a:r>
-            <a:r>
-              <a:rPr lang="en-US" dirty="0" err="1" smtClean="0"/>
-              <a:t>Year</a:t>
+              <a:t>(columns={"Area": “</a:t>
+            </a:r>
+            <a:r>
+              <a:rPr lang="en-US" dirty="0" err="1" smtClean="0"/>
+              <a:t>area",“Year</a:t>
             </a:r>
             <a:r>
               <a:rPr lang="en-US" dirty="0" smtClean="0"/>
@@ -3246,11 +3234,7 @@
             </a:r>
             <a:r>
               <a:rPr lang="en-US" dirty="0" smtClean="0"/>
-              <a:t>year</a:t>
-            </a:r>
-            <a:r>
-              <a:rPr lang="en-US" dirty="0" smtClean="0"/>
-              <a:t>"},</a:t>
+              <a:t>year"},</a:t>
             </a:r>
             <a:r>
               <a:rPr lang="en-US" dirty="0" err="1" smtClean="0"/>
